--- a/docs/slides/03-performance.pptx
+++ b/docs/slides/03-performance.pptx
@@ -5,7 +5,7 @@
     <p:sldMasterId id="2147483648" r:id="rId1"/>
   </p:sldMasterIdLst>
   <p:notesMasterIdLst>
-    <p:notesMasterId r:id="rId26"/>
+    <p:notesMasterId r:id="rId30"/>
   </p:notesMasterIdLst>
   <p:sldIdLst>
     <p:sldId id="256" r:id="rId2"/>
@@ -28,10 +28,14 @@
     <p:sldId id="262" r:id="rId19"/>
     <p:sldId id="266" r:id="rId20"/>
     <p:sldId id="271" r:id="rId21"/>
-    <p:sldId id="310" r:id="rId22"/>
-    <p:sldId id="444" r:id="rId23"/>
-    <p:sldId id="312" r:id="rId24"/>
-    <p:sldId id="440" r:id="rId25"/>
+    <p:sldId id="448" r:id="rId22"/>
+    <p:sldId id="446" r:id="rId23"/>
+    <p:sldId id="447" r:id="rId24"/>
+    <p:sldId id="449" r:id="rId25"/>
+    <p:sldId id="450" r:id="rId26"/>
+    <p:sldId id="310" r:id="rId27"/>
+    <p:sldId id="444" r:id="rId28"/>
+    <p:sldId id="312" r:id="rId29"/>
   </p:sldIdLst>
   <p:sldSz cx="12192000" cy="6858000"/>
   <p:notesSz cx="6858000" cy="9144000"/>
@@ -220,7 +224,7 @@
           <a:p>
             <a:fld id="{26C23BA1-C1FD-F54C-A91D-365911BB70A0}" type="datetimeFigureOut">
               <a:rPr lang="en-US" smtClean="0"/>
-              <a:t>10/6/22</a:t>
+              <a:t>10/4/23</a:t>
             </a:fld>
             <a:endParaRPr lang="en-US"/>
           </a:p>
@@ -5146,7 +5150,7 @@
           <a:p>
             <a:fld id="{6E174B13-2F4C-954D-BC49-D8D95C50C36E}" type="datetimeFigureOut">
               <a:rPr lang="en-US" smtClean="0"/>
-              <a:t>10/6/22</a:t>
+              <a:t>10/4/23</a:t>
             </a:fld>
             <a:endParaRPr lang="en-US"/>
           </a:p>
@@ -5344,7 +5348,7 @@
           <a:p>
             <a:fld id="{6E174B13-2F4C-954D-BC49-D8D95C50C36E}" type="datetimeFigureOut">
               <a:rPr lang="en-US" smtClean="0"/>
-              <a:t>10/6/22</a:t>
+              <a:t>10/4/23</a:t>
             </a:fld>
             <a:endParaRPr lang="en-US"/>
           </a:p>
@@ -5552,7 +5556,7 @@
           <a:p>
             <a:fld id="{6E174B13-2F4C-954D-BC49-D8D95C50C36E}" type="datetimeFigureOut">
               <a:rPr lang="en-US" smtClean="0"/>
-              <a:t>10/6/22</a:t>
+              <a:t>10/4/23</a:t>
             </a:fld>
             <a:endParaRPr lang="en-US"/>
           </a:p>
@@ -6402,7 +6406,7 @@
           <a:p>
             <a:fld id="{6E174B13-2F4C-954D-BC49-D8D95C50C36E}" type="datetimeFigureOut">
               <a:rPr lang="en-US" smtClean="0"/>
-              <a:t>10/6/22</a:t>
+              <a:t>10/4/23</a:t>
             </a:fld>
             <a:endParaRPr lang="en-US"/>
           </a:p>
@@ -6677,7 +6681,7 @@
           <a:p>
             <a:fld id="{6E174B13-2F4C-954D-BC49-D8D95C50C36E}" type="datetimeFigureOut">
               <a:rPr lang="en-US" smtClean="0"/>
-              <a:t>10/6/22</a:t>
+              <a:t>10/4/23</a:t>
             </a:fld>
             <a:endParaRPr lang="en-US"/>
           </a:p>
@@ -6942,7 +6946,7 @@
           <a:p>
             <a:fld id="{6E174B13-2F4C-954D-BC49-D8D95C50C36E}" type="datetimeFigureOut">
               <a:rPr lang="en-US" smtClean="0"/>
-              <a:t>10/6/22</a:t>
+              <a:t>10/4/23</a:t>
             </a:fld>
             <a:endParaRPr lang="en-US"/>
           </a:p>
@@ -7354,7 +7358,7 @@
           <a:p>
             <a:fld id="{6E174B13-2F4C-954D-BC49-D8D95C50C36E}" type="datetimeFigureOut">
               <a:rPr lang="en-US" smtClean="0"/>
-              <a:t>10/6/22</a:t>
+              <a:t>10/4/23</a:t>
             </a:fld>
             <a:endParaRPr lang="en-US"/>
           </a:p>
@@ -7495,7 +7499,7 @@
           <a:p>
             <a:fld id="{6E174B13-2F4C-954D-BC49-D8D95C50C36E}" type="datetimeFigureOut">
               <a:rPr lang="en-US" smtClean="0"/>
-              <a:t>10/6/22</a:t>
+              <a:t>10/4/23</a:t>
             </a:fld>
             <a:endParaRPr lang="en-US"/>
           </a:p>
@@ -7608,7 +7612,7 @@
           <a:p>
             <a:fld id="{6E174B13-2F4C-954D-BC49-D8D95C50C36E}" type="datetimeFigureOut">
               <a:rPr lang="en-US" smtClean="0"/>
-              <a:t>10/6/22</a:t>
+              <a:t>10/4/23</a:t>
             </a:fld>
             <a:endParaRPr lang="en-US"/>
           </a:p>
@@ -7919,7 +7923,7 @@
           <a:p>
             <a:fld id="{6E174B13-2F4C-954D-BC49-D8D95C50C36E}" type="datetimeFigureOut">
               <a:rPr lang="en-US" smtClean="0"/>
-              <a:t>10/6/22</a:t>
+              <a:t>10/4/23</a:t>
             </a:fld>
             <a:endParaRPr lang="en-US"/>
           </a:p>
@@ -8207,7 +8211,7 @@
           <a:p>
             <a:fld id="{6E174B13-2F4C-954D-BC49-D8D95C50C36E}" type="datetimeFigureOut">
               <a:rPr lang="en-US" smtClean="0"/>
-              <a:t>10/6/22</a:t>
+              <a:t>10/4/23</a:t>
             </a:fld>
             <a:endParaRPr lang="en-US"/>
           </a:p>
@@ -8448,7 +8452,7 @@
           <a:p>
             <a:fld id="{6E174B13-2F4C-954D-BC49-D8D95C50C36E}" type="datetimeFigureOut">
               <a:rPr lang="en-US" smtClean="0"/>
-              <a:t>10/6/22</a:t>
+              <a:t>10/4/23</a:t>
             </a:fld>
             <a:endParaRPr lang="en-US"/>
           </a:p>
@@ -14734,7 +14738,7 @@
   <p:cSld>
     <p:spTree>
       <p:nvGrpSpPr>
-        <p:cNvPr id="1" name="Shape 846"/>
+        <p:cNvPr id="1" name=""/>
         <p:cNvGrpSpPr/>
         <p:nvPr/>
       </p:nvGrpSpPr>
@@ -14748,8 +14752,14 @@
       </p:grpSpPr>
       <p:sp>
         <p:nvSpPr>
-          <p:cNvPr id="847" name="Google Shape;847;p68"/>
-          <p:cNvSpPr txBox="1">
+          <p:cNvPr id="4" name="Title 3">
+            <a:extLst>
+              <a:ext uri="{FF2B5EF4-FFF2-40B4-BE49-F238E27FC236}">
+                <a16:creationId xmlns:a16="http://schemas.microsoft.com/office/drawing/2014/main" id="{1AFECEE8-E568-80D2-E4E9-97537929693F}"/>
+              </a:ext>
+            </a:extLst>
+          </p:cNvPr>
+          <p:cNvSpPr>
             <a:spLocks noGrp="1"/>
           </p:cNvSpPr>
           <p:nvPr>
@@ -14758,78 +14768,43 @@
         </p:nvSpPr>
         <p:spPr>
           <a:xfrm>
-            <a:off x="415600" y="2867800"/>
-            <a:ext cx="11360800" cy="1122400"/>
-          </a:xfrm>
-          <a:prstGeom prst="rect">
-            <a:avLst/>
-          </a:prstGeom>
-        </p:spPr>
-        <p:txBody>
-          <a:bodyPr spcFirstLastPara="1" vert="horz" wrap="square" lIns="121900" tIns="121900" rIns="121900" bIns="121900" rtlCol="0" anchor="ctr" anchorCtr="0">
-            <a:noAutofit/>
-          </a:bodyPr>
+            <a:off x="838200" y="1845582"/>
+            <a:ext cx="10515600" cy="1325563"/>
+          </a:xfrm>
+        </p:spPr>
+        <p:txBody>
+          <a:bodyPr/>
           <a:lstStyle/>
           <a:p>
-            <a:r>
-              <a:rPr lang="en">
-                <a:latin typeface="Open Sans" panose="020B0606030504020204" pitchFamily="34" charset="0"/>
-                <a:ea typeface="Open Sans" panose="020B0606030504020204" pitchFamily="34" charset="0"/>
-                <a:cs typeface="Open Sans" panose="020B0606030504020204" pitchFamily="34" charset="0"/>
-              </a:rPr>
-              <a:t>Hands-on exercises</a:t>
-            </a:r>
-            <a:endParaRPr>
-              <a:latin typeface="Open Sans" panose="020B0606030504020204" pitchFamily="34" charset="0"/>
-              <a:ea typeface="Open Sans" panose="020B0606030504020204" pitchFamily="34" charset="0"/>
-              <a:cs typeface="Open Sans" panose="020B0606030504020204" pitchFamily="34" charset="0"/>
-            </a:endParaRPr>
-          </a:p>
-        </p:txBody>
-      </p:sp>
-      <p:sp>
-        <p:nvSpPr>
-          <p:cNvPr id="848" name="Google Shape;848;p68"/>
-          <p:cNvSpPr txBox="1">
-            <a:spLocks noGrp="1"/>
-          </p:cNvSpPr>
-          <p:nvPr>
-            <p:ph type="sldNum" idx="12"/>
-          </p:nvPr>
-        </p:nvSpPr>
-        <p:spPr>
-          <a:xfrm>
-            <a:off x="11296611" y="6217623"/>
-            <a:ext cx="731600" cy="524800"/>
-          </a:xfrm>
-          <a:prstGeom prst="rect">
-            <a:avLst/>
-          </a:prstGeom>
-        </p:spPr>
-        <p:txBody>
-          <a:bodyPr spcFirstLastPara="1" vert="horz" wrap="square" lIns="121900" tIns="121900" rIns="121900" bIns="121900" rtlCol="0" anchor="ctr" anchorCtr="0">
-            <a:noAutofit/>
-          </a:bodyPr>
-          <a:lstStyle/>
-          <a:p>
-            <a:fld id="{00000000-1234-1234-1234-123412341234}" type="slidenum">
-              <a:rPr lang="en">
-                <a:latin typeface="Open Sans" panose="020B0606030504020204" pitchFamily="34" charset="0"/>
-                <a:ea typeface="Open Sans" panose="020B0606030504020204" pitchFamily="34" charset="0"/>
-                <a:cs typeface="Open Sans" panose="020B0606030504020204" pitchFamily="34" charset="0"/>
-              </a:rPr>
-              <a:pPr/>
-              <a:t>21</a:t>
-            </a:fld>
-            <a:endParaRPr>
-              <a:latin typeface="Open Sans" panose="020B0606030504020204" pitchFamily="34" charset="0"/>
-              <a:ea typeface="Open Sans" panose="020B0606030504020204" pitchFamily="34" charset="0"/>
-              <a:cs typeface="Open Sans" panose="020B0606030504020204" pitchFamily="34" charset="0"/>
-            </a:endParaRPr>
+            <a:pPr algn="ctr"/>
+            <a:r>
+              <a:rPr lang="en-US" dirty="0"/>
+              <a:t>Inferring </a:t>
+            </a:r>
+            <a:r>
+              <a:rPr lang="en-US" dirty="0" err="1"/>
+              <a:t>QoE</a:t>
+            </a:r>
+            <a:r>
+              <a:rPr lang="en-US" dirty="0"/>
+              <a:t> for </a:t>
+            </a:r>
+            <a:br>
+              <a:rPr lang="en-US" dirty="0"/>
+            </a:br>
+            <a:r>
+              <a:rPr lang="en-US" dirty="0"/>
+              <a:t>Video Conference Applications</a:t>
+            </a:r>
           </a:p>
         </p:txBody>
       </p:sp>
     </p:spTree>
+    <p:extLst>
+      <p:ext uri="{BB962C8B-B14F-4D97-AF65-F5344CB8AC3E}">
+        <p14:creationId xmlns:p14="http://schemas.microsoft.com/office/powerpoint/2010/main" val="4106847540"/>
+      </p:ext>
+    </p:extLst>
   </p:cSld>
   <p:clrMapOvr>
     <a:masterClrMapping/>
@@ -14842,7 +14817,7 @@
   <p:cSld>
     <p:spTree>
       <p:nvGrpSpPr>
-        <p:cNvPr id="1" name="Shape 852"/>
+        <p:cNvPr id="1" name=""/>
         <p:cNvGrpSpPr/>
         <p:nvPr/>
       </p:nvGrpSpPr>
@@ -14856,133 +14831,93 @@
       </p:grpSpPr>
       <p:sp>
         <p:nvSpPr>
-          <p:cNvPr id="853" name="Google Shape;853;p69"/>
-          <p:cNvSpPr txBox="1">
+          <p:cNvPr id="4" name="Title 3">
+            <a:extLst>
+              <a:ext uri="{FF2B5EF4-FFF2-40B4-BE49-F238E27FC236}">
+                <a16:creationId xmlns:a16="http://schemas.microsoft.com/office/drawing/2014/main" id="{7060581D-520B-D291-DF7C-7F9BFB8337B7}"/>
+              </a:ext>
+            </a:extLst>
+          </p:cNvPr>
+          <p:cNvSpPr>
             <a:spLocks noGrp="1"/>
           </p:cNvSpPr>
           <p:nvPr>
             <p:ph type="title"/>
           </p:nvPr>
         </p:nvSpPr>
-        <p:spPr>
-          <a:xfrm>
-            <a:off x="415600" y="288567"/>
-            <a:ext cx="11360800" cy="763600"/>
-          </a:xfrm>
-          <a:prstGeom prst="rect">
-            <a:avLst/>
-          </a:prstGeom>
-        </p:spPr>
-        <p:txBody>
-          <a:bodyPr spcFirstLastPara="1" vert="horz" wrap="square" lIns="121900" tIns="121900" rIns="121900" bIns="121900" rtlCol="0" anchor="t" anchorCtr="0">
-            <a:noAutofit/>
-          </a:bodyPr>
+        <p:spPr/>
+        <p:txBody>
+          <a:bodyPr/>
           <a:lstStyle/>
           <a:p>
             <a:r>
-              <a:rPr lang="en" sz="3600" dirty="0">
-                <a:latin typeface="Open Sans" panose="020B0606030504020204" pitchFamily="34" charset="0"/>
-                <a:ea typeface="Open Sans" panose="020B0606030504020204" pitchFamily="34" charset="0"/>
-                <a:cs typeface="Open Sans" panose="020B0606030504020204" pitchFamily="34" charset="0"/>
-              </a:rPr>
-              <a:t>Hands-On: </a:t>
-            </a:r>
-            <a:br>
-              <a:rPr lang="en" sz="3600" dirty="0">
-                <a:latin typeface="Open Sans" panose="020B0606030504020204" pitchFamily="34" charset="0"/>
-                <a:ea typeface="Open Sans" panose="020B0606030504020204" pitchFamily="34" charset="0"/>
-                <a:cs typeface="Open Sans" panose="020B0606030504020204" pitchFamily="34" charset="0"/>
-              </a:rPr>
-            </a:br>
-            <a:r>
-              <a:rPr lang="en" sz="3600" dirty="0">
-                <a:latin typeface="Open Sans" panose="020B0606030504020204" pitchFamily="34" charset="0"/>
-                <a:ea typeface="Open Sans" panose="020B0606030504020204" pitchFamily="34" charset="0"/>
-                <a:cs typeface="Open Sans" panose="020B0606030504020204" pitchFamily="34" charset="0"/>
-              </a:rPr>
-              <a:t>Extracting Features from Network Traffic</a:t>
-            </a:r>
-            <a:endParaRPr sz="3600" dirty="0">
-              <a:latin typeface="Open Sans" panose="020B0606030504020204" pitchFamily="34" charset="0"/>
-              <a:ea typeface="Open Sans" panose="020B0606030504020204" pitchFamily="34" charset="0"/>
-              <a:cs typeface="Open Sans" panose="020B0606030504020204" pitchFamily="34" charset="0"/>
-            </a:endParaRPr>
-          </a:p>
-        </p:txBody>
-      </p:sp>
-      <p:sp>
-        <p:nvSpPr>
-          <p:cNvPr id="855" name="Google Shape;855;p69"/>
-          <p:cNvSpPr txBox="1">
+              <a:rPr lang="en-US" dirty="0"/>
+              <a:t>Inferring WebRTC Quality</a:t>
+            </a:r>
+          </a:p>
+        </p:txBody>
+      </p:sp>
+      <p:sp>
+        <p:nvSpPr>
+          <p:cNvPr id="5" name="Content Placeholder 4">
+            <a:extLst>
+              <a:ext uri="{FF2B5EF4-FFF2-40B4-BE49-F238E27FC236}">
+                <a16:creationId xmlns:a16="http://schemas.microsoft.com/office/drawing/2014/main" id="{A7792B4A-D286-183A-829E-04C82025F72B}"/>
+              </a:ext>
+            </a:extLst>
+          </p:cNvPr>
+          <p:cNvSpPr>
             <a:spLocks noGrp="1"/>
           </p:cNvSpPr>
           <p:nvPr>
-            <p:ph type="sldNum" idx="12"/>
+            <p:ph idx="1"/>
           </p:nvPr>
         </p:nvSpPr>
-        <p:spPr>
-          <a:xfrm>
-            <a:off x="11296611" y="6217623"/>
-            <a:ext cx="731600" cy="524800"/>
-          </a:xfrm>
-          <a:prstGeom prst="rect">
-            <a:avLst/>
-          </a:prstGeom>
-        </p:spPr>
-        <p:txBody>
-          <a:bodyPr spcFirstLastPara="1" vert="horz" wrap="square" lIns="121900" tIns="121900" rIns="121900" bIns="121900" rtlCol="0" anchor="ctr" anchorCtr="0">
-            <a:noAutofit/>
-          </a:bodyPr>
+        <p:spPr/>
+        <p:txBody>
+          <a:bodyPr/>
           <a:lstStyle/>
           <a:p>
-            <a:fld id="{00000000-1234-1234-1234-123412341234}" type="slidenum">
-              <a:rPr lang="en">
-                <a:latin typeface="Open Sans" panose="020B0606030504020204" pitchFamily="34" charset="0"/>
-                <a:ea typeface="Open Sans" panose="020B0606030504020204" pitchFamily="34" charset="0"/>
-                <a:cs typeface="Open Sans" panose="020B0606030504020204" pitchFamily="34" charset="0"/>
-              </a:rPr>
-              <a:pPr/>
-              <a:t>22</a:t>
-            </a:fld>
-            <a:endParaRPr>
-              <a:latin typeface="Open Sans" panose="020B0606030504020204" pitchFamily="34" charset="0"/>
-              <a:ea typeface="Open Sans" panose="020B0606030504020204" pitchFamily="34" charset="0"/>
-              <a:cs typeface="Open Sans" panose="020B0606030504020204" pitchFamily="34" charset="0"/>
-            </a:endParaRPr>
-          </a:p>
-        </p:txBody>
-      </p:sp>
-      <p:pic>
-        <p:nvPicPr>
-          <p:cNvPr id="4" name="Picture 3">
-            <a:extLst>
-              <a:ext uri="{FF2B5EF4-FFF2-40B4-BE49-F238E27FC236}">
-                <a16:creationId xmlns:a16="http://schemas.microsoft.com/office/drawing/2014/main" id="{6EED80ED-2B21-DD47-BB74-ADFABF96583C}"/>
-              </a:ext>
-            </a:extLst>
-          </p:cNvPr>
-          <p:cNvPicPr>
-            <a:picLocks noChangeAspect="1"/>
-          </p:cNvPicPr>
-          <p:nvPr/>
-        </p:nvPicPr>
-        <p:blipFill>
-          <a:blip r:embed="rId3"/>
-          <a:stretch>
-            <a:fillRect/>
-          </a:stretch>
-        </p:blipFill>
-        <p:spPr>
-          <a:xfrm>
-            <a:off x="1200149" y="1917700"/>
-            <a:ext cx="8496527" cy="3746500"/>
-          </a:xfrm>
-          <a:prstGeom prst="rect">
-            <a:avLst/>
-          </a:prstGeom>
-        </p:spPr>
-      </p:pic>
+            <a:r>
+              <a:rPr lang="en-US" dirty="0"/>
+              <a:t>Video bitrate</a:t>
+            </a:r>
+          </a:p>
+          <a:p>
+            <a:endParaRPr lang="en-US" dirty="0"/>
+          </a:p>
+          <a:p>
+            <a:r>
+              <a:rPr lang="en-US" dirty="0"/>
+              <a:t>Frame rate</a:t>
+            </a:r>
+          </a:p>
+          <a:p>
+            <a:endParaRPr lang="en-US" dirty="0"/>
+          </a:p>
+          <a:p>
+            <a:r>
+              <a:rPr lang="en-US" dirty="0"/>
+              <a:t>Frame jitter</a:t>
+            </a:r>
+          </a:p>
+          <a:p>
+            <a:endParaRPr lang="en-US" dirty="0"/>
+          </a:p>
+          <a:p>
+            <a:r>
+              <a:rPr lang="en-US" dirty="0"/>
+              <a:t>Resolution</a:t>
+            </a:r>
+          </a:p>
+        </p:txBody>
+      </p:sp>
     </p:spTree>
+    <p:extLst>
+      <p:ext uri="{BB962C8B-B14F-4D97-AF65-F5344CB8AC3E}">
+        <p14:creationId xmlns:p14="http://schemas.microsoft.com/office/powerpoint/2010/main" val="4120995863"/>
+      </p:ext>
+    </p:extLst>
   </p:cSld>
   <p:clrMapOvr>
     <a:masterClrMapping/>
@@ -14995,7 +14930,7 @@
   <p:cSld>
     <p:spTree>
       <p:nvGrpSpPr>
-        <p:cNvPr id="1" name="Shape 859"/>
+        <p:cNvPr id="1" name=""/>
         <p:cNvGrpSpPr/>
         <p:nvPr/>
       </p:nvGrpSpPr>
@@ -15009,295 +14944,68 @@
       </p:grpSpPr>
       <p:sp>
         <p:nvSpPr>
-          <p:cNvPr id="860" name="Google Shape;860;p70"/>
-          <p:cNvSpPr txBox="1">
+          <p:cNvPr id="2" name="Title 1">
+            <a:extLst>
+              <a:ext uri="{FF2B5EF4-FFF2-40B4-BE49-F238E27FC236}">
+                <a16:creationId xmlns:a16="http://schemas.microsoft.com/office/drawing/2014/main" id="{7AB4C9AD-EBF7-6BCF-DDDD-80579DE81BDA}"/>
+              </a:ext>
+            </a:extLst>
+          </p:cNvPr>
+          <p:cNvSpPr>
             <a:spLocks noGrp="1"/>
           </p:cNvSpPr>
           <p:nvPr>
             <p:ph type="title"/>
           </p:nvPr>
         </p:nvSpPr>
-        <p:spPr>
-          <a:xfrm>
-            <a:off x="415600" y="288567"/>
-            <a:ext cx="11360800" cy="763600"/>
+        <p:spPr/>
+        <p:txBody>
+          <a:bodyPr/>
+          <a:lstStyle/>
+          <a:p>
+            <a:r>
+              <a:rPr lang="en-US" dirty="0"/>
+              <a:t>Key Insight: Packet Size Differences</a:t>
+            </a:r>
+          </a:p>
+        </p:txBody>
+      </p:sp>
+      <p:pic>
+        <p:nvPicPr>
+          <p:cNvPr id="4" name="Picture 3">
+            <a:extLst>
+              <a:ext uri="{FF2B5EF4-FFF2-40B4-BE49-F238E27FC236}">
+                <a16:creationId xmlns:a16="http://schemas.microsoft.com/office/drawing/2014/main" id="{2B039528-125C-D582-AAFF-4257ECADCC7D}"/>
+              </a:ext>
+            </a:extLst>
+          </p:cNvPr>
+          <p:cNvPicPr>
+            <a:picLocks noChangeAspect="1"/>
+          </p:cNvPicPr>
+          <p:nvPr/>
+        </p:nvPicPr>
+        <p:blipFill>
+          <a:blip r:embed="rId2"/>
+          <a:stretch>
+            <a:fillRect/>
+          </a:stretch>
+        </p:blipFill>
+        <p:spPr>
+          <a:xfrm>
+            <a:off x="1477004" y="1690688"/>
+            <a:ext cx="9876796" cy="4430712"/>
           </a:xfrm>
           <a:prstGeom prst="rect">
             <a:avLst/>
           </a:prstGeom>
         </p:spPr>
-        <p:txBody>
-          <a:bodyPr spcFirstLastPara="1" vert="horz" wrap="square" lIns="121900" tIns="121900" rIns="121900" bIns="121900" rtlCol="0" anchor="t" anchorCtr="0">
-            <a:noAutofit/>
-          </a:bodyPr>
-          <a:lstStyle/>
-          <a:p>
-            <a:r>
-              <a:rPr lang="en" dirty="0">
-                <a:latin typeface="Open Sans" panose="020B0606030504020204" pitchFamily="34" charset="0"/>
-                <a:ea typeface="Open Sans" panose="020B0606030504020204" pitchFamily="34" charset="0"/>
-                <a:cs typeface="Open Sans" panose="020B0606030504020204" pitchFamily="34" charset="0"/>
-              </a:rPr>
-              <a:t>Problem Set 1: Video Inference</a:t>
-            </a:r>
-            <a:endParaRPr dirty="0">
-              <a:latin typeface="Open Sans" panose="020B0606030504020204" pitchFamily="34" charset="0"/>
-              <a:ea typeface="Open Sans" panose="020B0606030504020204" pitchFamily="34" charset="0"/>
-              <a:cs typeface="Open Sans" panose="020B0606030504020204" pitchFamily="34" charset="0"/>
-            </a:endParaRPr>
-          </a:p>
-        </p:txBody>
-      </p:sp>
-      <p:sp>
-        <p:nvSpPr>
-          <p:cNvPr id="861" name="Google Shape;861;p70"/>
-          <p:cNvSpPr txBox="1">
-            <a:spLocks noGrp="1"/>
-          </p:cNvSpPr>
-          <p:nvPr>
-            <p:ph type="body" idx="1"/>
-          </p:nvPr>
-        </p:nvSpPr>
-        <p:spPr>
-          <a:xfrm>
-            <a:off x="415600" y="1203067"/>
-            <a:ext cx="11360800" cy="4888800"/>
-          </a:xfrm>
-          <a:prstGeom prst="rect">
-            <a:avLst/>
-          </a:prstGeom>
-        </p:spPr>
-        <p:txBody>
-          <a:bodyPr spcFirstLastPara="1" vert="horz" wrap="square" lIns="121900" tIns="121900" rIns="121900" bIns="121900" rtlCol="0" anchor="t" anchorCtr="0">
-            <a:noAutofit/>
-          </a:bodyPr>
-          <a:lstStyle/>
-          <a:p>
-            <a:pPr marL="0" indent="0">
-              <a:spcBef>
-                <a:spcPts val="2133"/>
-              </a:spcBef>
-              <a:buClr>
-                <a:schemeClr val="dk1"/>
-              </a:buClr>
-              <a:buSzPts val="1100"/>
-              <a:buNone/>
-            </a:pPr>
-            <a:r>
-              <a:rPr lang="en" sz="2400" b="1" dirty="0">
-                <a:solidFill>
-                  <a:schemeClr val="dk1"/>
-                </a:solidFill>
-                <a:latin typeface="Open Sans" panose="020B0606030504020204" pitchFamily="34" charset="0"/>
-                <a:ea typeface="Open Sans" panose="020B0606030504020204" pitchFamily="34" charset="0"/>
-                <a:cs typeface="Open Sans" panose="020B0606030504020204" pitchFamily="34" charset="0"/>
-              </a:rPr>
-              <a:t>GOAL: </a:t>
-            </a:r>
-            <a:r>
-              <a:rPr lang="en" sz="2400" dirty="0">
-                <a:solidFill>
-                  <a:schemeClr val="dk1"/>
-                </a:solidFill>
-                <a:latin typeface="Open Sans" panose="020B0606030504020204" pitchFamily="34" charset="0"/>
-                <a:ea typeface="Open Sans" panose="020B0606030504020204" pitchFamily="34" charset="0"/>
-                <a:cs typeface="Open Sans" panose="020B0606030504020204" pitchFamily="34" charset="0"/>
-              </a:rPr>
-              <a:t>learn the basics of how to create a video resolution inference model using network traffic statistics</a:t>
-            </a:r>
-            <a:endParaRPr sz="2400" dirty="0">
-              <a:solidFill>
-                <a:schemeClr val="dk1"/>
-              </a:solidFill>
-              <a:latin typeface="Open Sans" panose="020B0606030504020204" pitchFamily="34" charset="0"/>
-              <a:ea typeface="Open Sans" panose="020B0606030504020204" pitchFamily="34" charset="0"/>
-              <a:cs typeface="Open Sans" panose="020B0606030504020204" pitchFamily="34" charset="0"/>
-            </a:endParaRPr>
-          </a:p>
-          <a:p>
-            <a:pPr>
-              <a:lnSpc>
-                <a:spcPct val="200000"/>
-              </a:lnSpc>
-              <a:spcBef>
-                <a:spcPts val="2133"/>
-              </a:spcBef>
-              <a:buClr>
-                <a:schemeClr val="dk1"/>
-              </a:buClr>
-              <a:buAutoNum type="arabicPeriod"/>
-            </a:pPr>
-            <a:r>
-              <a:rPr lang="en" sz="2400" dirty="0">
-                <a:solidFill>
-                  <a:schemeClr val="dk1"/>
-                </a:solidFill>
-                <a:latin typeface="Open Sans" panose="020B0606030504020204" pitchFamily="34" charset="0"/>
-                <a:ea typeface="Open Sans" panose="020B0606030504020204" pitchFamily="34" charset="0"/>
-                <a:cs typeface="Open Sans" panose="020B0606030504020204" pitchFamily="34" charset="0"/>
-              </a:rPr>
-              <a:t>Clean the dataset</a:t>
-            </a:r>
-            <a:endParaRPr sz="2400" dirty="0">
-              <a:solidFill>
-                <a:schemeClr val="dk1"/>
-              </a:solidFill>
-              <a:latin typeface="Open Sans" panose="020B0606030504020204" pitchFamily="34" charset="0"/>
-              <a:ea typeface="Open Sans" panose="020B0606030504020204" pitchFamily="34" charset="0"/>
-              <a:cs typeface="Open Sans" panose="020B0606030504020204" pitchFamily="34" charset="0"/>
-            </a:endParaRPr>
-          </a:p>
-          <a:p>
-            <a:pPr>
-              <a:lnSpc>
-                <a:spcPct val="200000"/>
-              </a:lnSpc>
-              <a:buClr>
-                <a:schemeClr val="dk1"/>
-              </a:buClr>
-              <a:buAutoNum type="arabicPeriod"/>
-            </a:pPr>
-            <a:r>
-              <a:rPr lang="en" sz="2400" dirty="0">
-                <a:solidFill>
-                  <a:schemeClr val="dk1"/>
-                </a:solidFill>
-                <a:latin typeface="Open Sans" panose="020B0606030504020204" pitchFamily="34" charset="0"/>
-                <a:ea typeface="Open Sans" panose="020B0606030504020204" pitchFamily="34" charset="0"/>
-                <a:cs typeface="Open Sans" panose="020B0606030504020204" pitchFamily="34" charset="0"/>
-              </a:rPr>
-              <a:t>Simple resolution inference</a:t>
-            </a:r>
-            <a:endParaRPr sz="2400" dirty="0">
-              <a:solidFill>
-                <a:schemeClr val="dk1"/>
-              </a:solidFill>
-              <a:latin typeface="Open Sans" panose="020B0606030504020204" pitchFamily="34" charset="0"/>
-              <a:ea typeface="Open Sans" panose="020B0606030504020204" pitchFamily="34" charset="0"/>
-              <a:cs typeface="Open Sans" panose="020B0606030504020204" pitchFamily="34" charset="0"/>
-            </a:endParaRPr>
-          </a:p>
-          <a:p>
-            <a:pPr>
-              <a:lnSpc>
-                <a:spcPct val="200000"/>
-              </a:lnSpc>
-              <a:buClr>
-                <a:schemeClr val="dk1"/>
-              </a:buClr>
-              <a:buAutoNum type="arabicPeriod"/>
-            </a:pPr>
-            <a:r>
-              <a:rPr lang="en" sz="2400" dirty="0">
-                <a:solidFill>
-                  <a:schemeClr val="dk1"/>
-                </a:solidFill>
-                <a:latin typeface="Open Sans" panose="020B0606030504020204" pitchFamily="34" charset="0"/>
-                <a:ea typeface="Open Sans" panose="020B0606030504020204" pitchFamily="34" charset="0"/>
-                <a:cs typeface="Open Sans" panose="020B0606030504020204" pitchFamily="34" charset="0"/>
-              </a:rPr>
-              <a:t>Feature importance</a:t>
-            </a:r>
-            <a:endParaRPr sz="2400" dirty="0">
-              <a:solidFill>
-                <a:schemeClr val="dk1"/>
-              </a:solidFill>
-              <a:latin typeface="Open Sans" panose="020B0606030504020204" pitchFamily="34" charset="0"/>
-              <a:ea typeface="Open Sans" panose="020B0606030504020204" pitchFamily="34" charset="0"/>
-              <a:cs typeface="Open Sans" panose="020B0606030504020204" pitchFamily="34" charset="0"/>
-            </a:endParaRPr>
-          </a:p>
-          <a:p>
-            <a:pPr>
-              <a:lnSpc>
-                <a:spcPct val="200000"/>
-              </a:lnSpc>
-              <a:buClr>
-                <a:schemeClr val="dk1"/>
-              </a:buClr>
-              <a:buAutoNum type="arabicPeriod"/>
-            </a:pPr>
-            <a:r>
-              <a:rPr lang="en" sz="2400" dirty="0">
-                <a:solidFill>
-                  <a:schemeClr val="dk1"/>
-                </a:solidFill>
-                <a:latin typeface="Open Sans" panose="020B0606030504020204" pitchFamily="34" charset="0"/>
-                <a:ea typeface="Open Sans" panose="020B0606030504020204" pitchFamily="34" charset="0"/>
-                <a:cs typeface="Open Sans" panose="020B0606030504020204" pitchFamily="34" charset="0"/>
-              </a:rPr>
-              <a:t>The impact of different layers on the inference accuracy</a:t>
-            </a:r>
-            <a:endParaRPr sz="2400" dirty="0">
-              <a:solidFill>
-                <a:schemeClr val="dk1"/>
-              </a:solidFill>
-              <a:latin typeface="Open Sans" panose="020B0606030504020204" pitchFamily="34" charset="0"/>
-              <a:ea typeface="Open Sans" panose="020B0606030504020204" pitchFamily="34" charset="0"/>
-              <a:cs typeface="Open Sans" panose="020B0606030504020204" pitchFamily="34" charset="0"/>
-            </a:endParaRPr>
-          </a:p>
-          <a:p>
-            <a:pPr marL="0" indent="0">
-              <a:spcBef>
-                <a:spcPts val="2133"/>
-              </a:spcBef>
-              <a:spcAft>
-                <a:spcPts val="2133"/>
-              </a:spcAft>
-              <a:buNone/>
-            </a:pPr>
-            <a:endParaRPr sz="2400" dirty="0">
-              <a:latin typeface="Open Sans" panose="020B0606030504020204" pitchFamily="34" charset="0"/>
-              <a:ea typeface="Open Sans" panose="020B0606030504020204" pitchFamily="34" charset="0"/>
-              <a:cs typeface="Open Sans" panose="020B0606030504020204" pitchFamily="34" charset="0"/>
-            </a:endParaRPr>
-          </a:p>
-        </p:txBody>
-      </p:sp>
-      <p:sp>
-        <p:nvSpPr>
-          <p:cNvPr id="862" name="Google Shape;862;p70"/>
-          <p:cNvSpPr txBox="1">
-            <a:spLocks noGrp="1"/>
-          </p:cNvSpPr>
-          <p:nvPr>
-            <p:ph type="sldNum" idx="12"/>
-          </p:nvPr>
-        </p:nvSpPr>
-        <p:spPr>
-          <a:xfrm>
-            <a:off x="11296611" y="6217623"/>
-            <a:ext cx="731600" cy="524800"/>
-          </a:xfrm>
-          <a:prstGeom prst="rect">
-            <a:avLst/>
-          </a:prstGeom>
-        </p:spPr>
-        <p:txBody>
-          <a:bodyPr spcFirstLastPara="1" vert="horz" wrap="square" lIns="121900" tIns="121900" rIns="121900" bIns="121900" rtlCol="0" anchor="ctr" anchorCtr="0">
-            <a:noAutofit/>
-          </a:bodyPr>
-          <a:lstStyle/>
-          <a:p>
-            <a:fld id="{00000000-1234-1234-1234-123412341234}" type="slidenum">
-              <a:rPr lang="en">
-                <a:latin typeface="Open Sans" panose="020B0606030504020204" pitchFamily="34" charset="0"/>
-                <a:ea typeface="Open Sans" panose="020B0606030504020204" pitchFamily="34" charset="0"/>
-                <a:cs typeface="Open Sans" panose="020B0606030504020204" pitchFamily="34" charset="0"/>
-              </a:rPr>
-              <a:pPr/>
-              <a:t>23</a:t>
-            </a:fld>
-            <a:endParaRPr>
-              <a:latin typeface="Open Sans" panose="020B0606030504020204" pitchFamily="34" charset="0"/>
-              <a:ea typeface="Open Sans" panose="020B0606030504020204" pitchFamily="34" charset="0"/>
-              <a:cs typeface="Open Sans" panose="020B0606030504020204" pitchFamily="34" charset="0"/>
-            </a:endParaRPr>
-          </a:p>
-        </p:txBody>
-      </p:sp>
+      </p:pic>
     </p:spTree>
+    <p:extLst>
+      <p:ext uri="{BB962C8B-B14F-4D97-AF65-F5344CB8AC3E}">
+        <p14:creationId xmlns:p14="http://schemas.microsoft.com/office/powerpoint/2010/main" val="1403884858"/>
+      </p:ext>
+    </p:extLst>
   </p:cSld>
   <p:clrMapOvr>
     <a:masterClrMapping/>
@@ -15327,7 +15035,7 @@
           <p:cNvPr id="2" name="Title 1">
             <a:extLst>
               <a:ext uri="{FF2B5EF4-FFF2-40B4-BE49-F238E27FC236}">
-                <a16:creationId xmlns:a16="http://schemas.microsoft.com/office/drawing/2014/main" id="{B848BF39-FC52-0C44-87FC-F0EC348BCE03}"/>
+                <a16:creationId xmlns:a16="http://schemas.microsoft.com/office/drawing/2014/main" id="{D7D3FC69-94AF-610A-7EBF-20726E4246B0}"/>
               </a:ext>
             </a:extLst>
           </p:cNvPr>
@@ -15345,17 +15053,107 @@
           <a:p>
             <a:r>
               <a:rPr lang="en-US" dirty="0"/>
-              <a:t>Looking Ahead</a:t>
-            </a:r>
-          </a:p>
-        </p:txBody>
-      </p:sp>
-      <p:sp>
-        <p:nvSpPr>
-          <p:cNvPr id="3" name="Content Placeholder 2">
+              <a:t>Input Features</a:t>
+            </a:r>
+          </a:p>
+        </p:txBody>
+      </p:sp>
+      <p:pic>
+        <p:nvPicPr>
+          <p:cNvPr id="4" name="Picture 3">
             <a:extLst>
               <a:ext uri="{FF2B5EF4-FFF2-40B4-BE49-F238E27FC236}">
-                <a16:creationId xmlns:a16="http://schemas.microsoft.com/office/drawing/2014/main" id="{94CBBA2D-860A-7545-91D6-F5FA0739BAFC}"/>
+                <a16:creationId xmlns:a16="http://schemas.microsoft.com/office/drawing/2014/main" id="{1A53DD64-4721-4AD4-4ECB-764265DA5788}"/>
+              </a:ext>
+            </a:extLst>
+          </p:cNvPr>
+          <p:cNvPicPr>
+            <a:picLocks noChangeAspect="1"/>
+          </p:cNvPicPr>
+          <p:nvPr/>
+        </p:nvPicPr>
+        <p:blipFill>
+          <a:blip r:embed="rId2"/>
+          <a:stretch>
+            <a:fillRect/>
+          </a:stretch>
+        </p:blipFill>
+        <p:spPr>
+          <a:xfrm>
+            <a:off x="289247" y="2766219"/>
+            <a:ext cx="11613506" cy="1325562"/>
+          </a:xfrm>
+          <a:prstGeom prst="rect">
+            <a:avLst/>
+          </a:prstGeom>
+        </p:spPr>
+      </p:pic>
+    </p:spTree>
+    <p:extLst>
+      <p:ext uri="{BB962C8B-B14F-4D97-AF65-F5344CB8AC3E}">
+        <p14:creationId xmlns:p14="http://schemas.microsoft.com/office/powerpoint/2010/main" val="340136764"/>
+      </p:ext>
+    </p:extLst>
+  </p:cSld>
+  <p:clrMapOvr>
+    <a:masterClrMapping/>
+  </p:clrMapOvr>
+</p:sld>
+</file>
+
+<file path=ppt/slides/slide25.xml><?xml version="1.0" encoding="utf-8"?>
+<p:sld xmlns:a="http://schemas.openxmlformats.org/drawingml/2006/main" xmlns:r="http://schemas.openxmlformats.org/officeDocument/2006/relationships" xmlns:p="http://schemas.openxmlformats.org/presentationml/2006/main">
+  <p:cSld>
+    <p:spTree>
+      <p:nvGrpSpPr>
+        <p:cNvPr id="1" name=""/>
+        <p:cNvGrpSpPr/>
+        <p:nvPr/>
+      </p:nvGrpSpPr>
+      <p:grpSpPr>
+        <a:xfrm>
+          <a:off x="0" y="0"/>
+          <a:ext cx="0" cy="0"/>
+          <a:chOff x="0" y="0"/>
+          <a:chExt cx="0" cy="0"/>
+        </a:xfrm>
+      </p:grpSpPr>
+      <p:pic>
+        <p:nvPicPr>
+          <p:cNvPr id="3" name="Picture 2">
+            <a:extLst>
+              <a:ext uri="{FF2B5EF4-FFF2-40B4-BE49-F238E27FC236}">
+                <a16:creationId xmlns:a16="http://schemas.microsoft.com/office/drawing/2014/main" id="{FC5E1398-257C-5E8A-FF48-14824D78AA3A}"/>
+              </a:ext>
+            </a:extLst>
+          </p:cNvPr>
+          <p:cNvPicPr>
+            <a:picLocks noChangeAspect="1"/>
+          </p:cNvPicPr>
+          <p:nvPr/>
+        </p:nvPicPr>
+        <p:blipFill>
+          <a:blip r:embed="rId2"/>
+          <a:stretch>
+            <a:fillRect/>
+          </a:stretch>
+        </p:blipFill>
+        <p:spPr>
+          <a:xfrm>
+            <a:off x="1701800" y="1820233"/>
+            <a:ext cx="7772400" cy="4208133"/>
+          </a:xfrm>
+          <a:prstGeom prst="rect">
+            <a:avLst/>
+          </a:prstGeom>
+        </p:spPr>
+      </p:pic>
+      <p:sp>
+        <p:nvSpPr>
+          <p:cNvPr id="4" name="Title 3">
+            <a:extLst>
+              <a:ext uri="{FF2B5EF4-FFF2-40B4-BE49-F238E27FC236}">
+                <a16:creationId xmlns:a16="http://schemas.microsoft.com/office/drawing/2014/main" id="{B0839CED-C0A9-9DAA-EA62-6E969652F5BB}"/>
               </a:ext>
             </a:extLst>
           </p:cNvPr>
@@ -15363,26 +15161,603 @@
             <a:spLocks noGrp="1"/>
           </p:cNvSpPr>
           <p:nvPr>
-            <p:ph idx="1"/>
+            <p:ph type="title"/>
           </p:nvPr>
         </p:nvSpPr>
         <p:spPr/>
         <p:txBody>
-          <a:bodyPr>
-            <a:normAutofit/>
-          </a:bodyPr>
+          <a:bodyPr/>
           <a:lstStyle/>
           <a:p>
-            <a:endParaRPr lang="en-US" dirty="0"/>
+            <a:r>
+              <a:rPr lang="en-US"/>
+              <a:t>Inference Errors: Frame Rate</a:t>
+            </a:r>
           </a:p>
         </p:txBody>
       </p:sp>
     </p:spTree>
     <p:extLst>
       <p:ext uri="{BB962C8B-B14F-4D97-AF65-F5344CB8AC3E}">
-        <p14:creationId xmlns:p14="http://schemas.microsoft.com/office/powerpoint/2010/main" val="3552459509"/>
+        <p14:creationId xmlns:p14="http://schemas.microsoft.com/office/powerpoint/2010/main" val="4275337213"/>
       </p:ext>
     </p:extLst>
+  </p:cSld>
+  <p:clrMapOvr>
+    <a:masterClrMapping/>
+  </p:clrMapOvr>
+</p:sld>
+</file>
+
+<file path=ppt/slides/slide26.xml><?xml version="1.0" encoding="utf-8"?>
+<p:sld xmlns:a="http://schemas.openxmlformats.org/drawingml/2006/main" xmlns:r="http://schemas.openxmlformats.org/officeDocument/2006/relationships" xmlns:p="http://schemas.openxmlformats.org/presentationml/2006/main">
+  <p:cSld>
+    <p:spTree>
+      <p:nvGrpSpPr>
+        <p:cNvPr id="1" name="Shape 846"/>
+        <p:cNvGrpSpPr/>
+        <p:nvPr/>
+      </p:nvGrpSpPr>
+      <p:grpSpPr>
+        <a:xfrm>
+          <a:off x="0" y="0"/>
+          <a:ext cx="0" cy="0"/>
+          <a:chOff x="0" y="0"/>
+          <a:chExt cx="0" cy="0"/>
+        </a:xfrm>
+      </p:grpSpPr>
+      <p:sp>
+        <p:nvSpPr>
+          <p:cNvPr id="847" name="Google Shape;847;p68"/>
+          <p:cNvSpPr txBox="1">
+            <a:spLocks noGrp="1"/>
+          </p:cNvSpPr>
+          <p:nvPr>
+            <p:ph type="title"/>
+          </p:nvPr>
+        </p:nvSpPr>
+        <p:spPr>
+          <a:xfrm>
+            <a:off x="415600" y="2867800"/>
+            <a:ext cx="11360800" cy="1122400"/>
+          </a:xfrm>
+          <a:prstGeom prst="rect">
+            <a:avLst/>
+          </a:prstGeom>
+        </p:spPr>
+        <p:txBody>
+          <a:bodyPr spcFirstLastPara="1" vert="horz" wrap="square" lIns="121900" tIns="121900" rIns="121900" bIns="121900" rtlCol="0" anchor="ctr" anchorCtr="0">
+            <a:noAutofit/>
+          </a:bodyPr>
+          <a:lstStyle/>
+          <a:p>
+            <a:r>
+              <a:rPr lang="en">
+                <a:latin typeface="Open Sans" panose="020B0606030504020204" pitchFamily="34" charset="0"/>
+                <a:ea typeface="Open Sans" panose="020B0606030504020204" pitchFamily="34" charset="0"/>
+                <a:cs typeface="Open Sans" panose="020B0606030504020204" pitchFamily="34" charset="0"/>
+              </a:rPr>
+              <a:t>Hands-on exercises</a:t>
+            </a:r>
+            <a:endParaRPr>
+              <a:latin typeface="Open Sans" panose="020B0606030504020204" pitchFamily="34" charset="0"/>
+              <a:ea typeface="Open Sans" panose="020B0606030504020204" pitchFamily="34" charset="0"/>
+              <a:cs typeface="Open Sans" panose="020B0606030504020204" pitchFamily="34" charset="0"/>
+            </a:endParaRPr>
+          </a:p>
+        </p:txBody>
+      </p:sp>
+      <p:sp>
+        <p:nvSpPr>
+          <p:cNvPr id="848" name="Google Shape;848;p68"/>
+          <p:cNvSpPr txBox="1">
+            <a:spLocks noGrp="1"/>
+          </p:cNvSpPr>
+          <p:nvPr>
+            <p:ph type="sldNum" idx="12"/>
+          </p:nvPr>
+        </p:nvSpPr>
+        <p:spPr>
+          <a:xfrm>
+            <a:off x="11296611" y="6217623"/>
+            <a:ext cx="731600" cy="524800"/>
+          </a:xfrm>
+          <a:prstGeom prst="rect">
+            <a:avLst/>
+          </a:prstGeom>
+        </p:spPr>
+        <p:txBody>
+          <a:bodyPr spcFirstLastPara="1" vert="horz" wrap="square" lIns="121900" tIns="121900" rIns="121900" bIns="121900" rtlCol="0" anchor="ctr" anchorCtr="0">
+            <a:noAutofit/>
+          </a:bodyPr>
+          <a:lstStyle/>
+          <a:p>
+            <a:fld id="{00000000-1234-1234-1234-123412341234}" type="slidenum">
+              <a:rPr lang="en">
+                <a:latin typeface="Open Sans" panose="020B0606030504020204" pitchFamily="34" charset="0"/>
+                <a:ea typeface="Open Sans" panose="020B0606030504020204" pitchFamily="34" charset="0"/>
+                <a:cs typeface="Open Sans" panose="020B0606030504020204" pitchFamily="34" charset="0"/>
+              </a:rPr>
+              <a:pPr/>
+              <a:t>26</a:t>
+            </a:fld>
+            <a:endParaRPr>
+              <a:latin typeface="Open Sans" panose="020B0606030504020204" pitchFamily="34" charset="0"/>
+              <a:ea typeface="Open Sans" panose="020B0606030504020204" pitchFamily="34" charset="0"/>
+              <a:cs typeface="Open Sans" panose="020B0606030504020204" pitchFamily="34" charset="0"/>
+            </a:endParaRPr>
+          </a:p>
+        </p:txBody>
+      </p:sp>
+    </p:spTree>
+  </p:cSld>
+  <p:clrMapOvr>
+    <a:masterClrMapping/>
+  </p:clrMapOvr>
+</p:sld>
+</file>
+
+<file path=ppt/slides/slide27.xml><?xml version="1.0" encoding="utf-8"?>
+<p:sld xmlns:a="http://schemas.openxmlformats.org/drawingml/2006/main" xmlns:r="http://schemas.openxmlformats.org/officeDocument/2006/relationships" xmlns:p="http://schemas.openxmlformats.org/presentationml/2006/main">
+  <p:cSld>
+    <p:spTree>
+      <p:nvGrpSpPr>
+        <p:cNvPr id="1" name="Shape 852"/>
+        <p:cNvGrpSpPr/>
+        <p:nvPr/>
+      </p:nvGrpSpPr>
+      <p:grpSpPr>
+        <a:xfrm>
+          <a:off x="0" y="0"/>
+          <a:ext cx="0" cy="0"/>
+          <a:chOff x="0" y="0"/>
+          <a:chExt cx="0" cy="0"/>
+        </a:xfrm>
+      </p:grpSpPr>
+      <p:sp>
+        <p:nvSpPr>
+          <p:cNvPr id="853" name="Google Shape;853;p69"/>
+          <p:cNvSpPr txBox="1">
+            <a:spLocks noGrp="1"/>
+          </p:cNvSpPr>
+          <p:nvPr>
+            <p:ph type="title"/>
+          </p:nvPr>
+        </p:nvSpPr>
+        <p:spPr>
+          <a:xfrm>
+            <a:off x="415600" y="288567"/>
+            <a:ext cx="11360800" cy="763600"/>
+          </a:xfrm>
+          <a:prstGeom prst="rect">
+            <a:avLst/>
+          </a:prstGeom>
+        </p:spPr>
+        <p:txBody>
+          <a:bodyPr spcFirstLastPara="1" vert="horz" wrap="square" lIns="121900" tIns="121900" rIns="121900" bIns="121900" rtlCol="0" anchor="t" anchorCtr="0">
+            <a:noAutofit/>
+          </a:bodyPr>
+          <a:lstStyle/>
+          <a:p>
+            <a:r>
+              <a:rPr lang="en" sz="3600" dirty="0">
+                <a:latin typeface="Open Sans" panose="020B0606030504020204" pitchFamily="34" charset="0"/>
+                <a:ea typeface="Open Sans" panose="020B0606030504020204" pitchFamily="34" charset="0"/>
+                <a:cs typeface="Open Sans" panose="020B0606030504020204" pitchFamily="34" charset="0"/>
+              </a:rPr>
+              <a:t>Hands-On: </a:t>
+            </a:r>
+            <a:br>
+              <a:rPr lang="en" sz="3600" dirty="0">
+                <a:latin typeface="Open Sans" panose="020B0606030504020204" pitchFamily="34" charset="0"/>
+                <a:ea typeface="Open Sans" panose="020B0606030504020204" pitchFamily="34" charset="0"/>
+                <a:cs typeface="Open Sans" panose="020B0606030504020204" pitchFamily="34" charset="0"/>
+              </a:rPr>
+            </a:br>
+            <a:r>
+              <a:rPr lang="en" sz="3600" dirty="0">
+                <a:latin typeface="Open Sans" panose="020B0606030504020204" pitchFamily="34" charset="0"/>
+                <a:ea typeface="Open Sans" panose="020B0606030504020204" pitchFamily="34" charset="0"/>
+                <a:cs typeface="Open Sans" panose="020B0606030504020204" pitchFamily="34" charset="0"/>
+              </a:rPr>
+              <a:t>Extracting Features from Network Traffic</a:t>
+            </a:r>
+            <a:endParaRPr sz="3600" dirty="0">
+              <a:latin typeface="Open Sans" panose="020B0606030504020204" pitchFamily="34" charset="0"/>
+              <a:ea typeface="Open Sans" panose="020B0606030504020204" pitchFamily="34" charset="0"/>
+              <a:cs typeface="Open Sans" panose="020B0606030504020204" pitchFamily="34" charset="0"/>
+            </a:endParaRPr>
+          </a:p>
+        </p:txBody>
+      </p:sp>
+      <p:sp>
+        <p:nvSpPr>
+          <p:cNvPr id="855" name="Google Shape;855;p69"/>
+          <p:cNvSpPr txBox="1">
+            <a:spLocks noGrp="1"/>
+          </p:cNvSpPr>
+          <p:nvPr>
+            <p:ph type="sldNum" idx="12"/>
+          </p:nvPr>
+        </p:nvSpPr>
+        <p:spPr>
+          <a:xfrm>
+            <a:off x="11296611" y="6217623"/>
+            <a:ext cx="731600" cy="524800"/>
+          </a:xfrm>
+          <a:prstGeom prst="rect">
+            <a:avLst/>
+          </a:prstGeom>
+        </p:spPr>
+        <p:txBody>
+          <a:bodyPr spcFirstLastPara="1" vert="horz" wrap="square" lIns="121900" tIns="121900" rIns="121900" bIns="121900" rtlCol="0" anchor="ctr" anchorCtr="0">
+            <a:noAutofit/>
+          </a:bodyPr>
+          <a:lstStyle/>
+          <a:p>
+            <a:fld id="{00000000-1234-1234-1234-123412341234}" type="slidenum">
+              <a:rPr lang="en">
+                <a:latin typeface="Open Sans" panose="020B0606030504020204" pitchFamily="34" charset="0"/>
+                <a:ea typeface="Open Sans" panose="020B0606030504020204" pitchFamily="34" charset="0"/>
+                <a:cs typeface="Open Sans" panose="020B0606030504020204" pitchFamily="34" charset="0"/>
+              </a:rPr>
+              <a:pPr/>
+              <a:t>27</a:t>
+            </a:fld>
+            <a:endParaRPr>
+              <a:latin typeface="Open Sans" panose="020B0606030504020204" pitchFamily="34" charset="0"/>
+              <a:ea typeface="Open Sans" panose="020B0606030504020204" pitchFamily="34" charset="0"/>
+              <a:cs typeface="Open Sans" panose="020B0606030504020204" pitchFamily="34" charset="0"/>
+            </a:endParaRPr>
+          </a:p>
+        </p:txBody>
+      </p:sp>
+      <p:pic>
+        <p:nvPicPr>
+          <p:cNvPr id="4" name="Picture 3">
+            <a:extLst>
+              <a:ext uri="{FF2B5EF4-FFF2-40B4-BE49-F238E27FC236}">
+                <a16:creationId xmlns:a16="http://schemas.microsoft.com/office/drawing/2014/main" id="{6EED80ED-2B21-DD47-BB74-ADFABF96583C}"/>
+              </a:ext>
+            </a:extLst>
+          </p:cNvPr>
+          <p:cNvPicPr>
+            <a:picLocks noChangeAspect="1"/>
+          </p:cNvPicPr>
+          <p:nvPr/>
+        </p:nvPicPr>
+        <p:blipFill>
+          <a:blip r:embed="rId3"/>
+          <a:stretch>
+            <a:fillRect/>
+          </a:stretch>
+        </p:blipFill>
+        <p:spPr>
+          <a:xfrm>
+            <a:off x="1200149" y="1917700"/>
+            <a:ext cx="8496527" cy="3746500"/>
+          </a:xfrm>
+          <a:prstGeom prst="rect">
+            <a:avLst/>
+          </a:prstGeom>
+        </p:spPr>
+      </p:pic>
+    </p:spTree>
+  </p:cSld>
+  <p:clrMapOvr>
+    <a:masterClrMapping/>
+  </p:clrMapOvr>
+</p:sld>
+</file>
+
+<file path=ppt/slides/slide28.xml><?xml version="1.0" encoding="utf-8"?>
+<p:sld xmlns:a="http://schemas.openxmlformats.org/drawingml/2006/main" xmlns:r="http://schemas.openxmlformats.org/officeDocument/2006/relationships" xmlns:p="http://schemas.openxmlformats.org/presentationml/2006/main">
+  <p:cSld>
+    <p:spTree>
+      <p:nvGrpSpPr>
+        <p:cNvPr id="1" name="Shape 859"/>
+        <p:cNvGrpSpPr/>
+        <p:nvPr/>
+      </p:nvGrpSpPr>
+      <p:grpSpPr>
+        <a:xfrm>
+          <a:off x="0" y="0"/>
+          <a:ext cx="0" cy="0"/>
+          <a:chOff x="0" y="0"/>
+          <a:chExt cx="0" cy="0"/>
+        </a:xfrm>
+      </p:grpSpPr>
+      <p:sp>
+        <p:nvSpPr>
+          <p:cNvPr id="860" name="Google Shape;860;p70"/>
+          <p:cNvSpPr txBox="1">
+            <a:spLocks noGrp="1"/>
+          </p:cNvSpPr>
+          <p:nvPr>
+            <p:ph type="title"/>
+          </p:nvPr>
+        </p:nvSpPr>
+        <p:spPr>
+          <a:xfrm>
+            <a:off x="415600" y="288567"/>
+            <a:ext cx="11360800" cy="763600"/>
+          </a:xfrm>
+          <a:prstGeom prst="rect">
+            <a:avLst/>
+          </a:prstGeom>
+        </p:spPr>
+        <p:txBody>
+          <a:bodyPr spcFirstLastPara="1" vert="horz" wrap="square" lIns="121900" tIns="121900" rIns="121900" bIns="121900" rtlCol="0" anchor="t" anchorCtr="0">
+            <a:noAutofit/>
+          </a:bodyPr>
+          <a:lstStyle/>
+          <a:p>
+            <a:r>
+              <a:rPr lang="en" dirty="0">
+                <a:latin typeface="Open Sans" panose="020B0606030504020204" pitchFamily="34" charset="0"/>
+                <a:ea typeface="Open Sans" panose="020B0606030504020204" pitchFamily="34" charset="0"/>
+                <a:cs typeface="Open Sans" panose="020B0606030504020204" pitchFamily="34" charset="0"/>
+              </a:rPr>
+              <a:t>Problem Set 1: Video Inference</a:t>
+            </a:r>
+            <a:endParaRPr dirty="0">
+              <a:latin typeface="Open Sans" panose="020B0606030504020204" pitchFamily="34" charset="0"/>
+              <a:ea typeface="Open Sans" panose="020B0606030504020204" pitchFamily="34" charset="0"/>
+              <a:cs typeface="Open Sans" panose="020B0606030504020204" pitchFamily="34" charset="0"/>
+            </a:endParaRPr>
+          </a:p>
+        </p:txBody>
+      </p:sp>
+      <p:sp>
+        <p:nvSpPr>
+          <p:cNvPr id="861" name="Google Shape;861;p70"/>
+          <p:cNvSpPr txBox="1">
+            <a:spLocks noGrp="1"/>
+          </p:cNvSpPr>
+          <p:nvPr>
+            <p:ph type="body" idx="1"/>
+          </p:nvPr>
+        </p:nvSpPr>
+        <p:spPr>
+          <a:xfrm>
+            <a:off x="415600" y="1203067"/>
+            <a:ext cx="11360800" cy="4888800"/>
+          </a:xfrm>
+          <a:prstGeom prst="rect">
+            <a:avLst/>
+          </a:prstGeom>
+        </p:spPr>
+        <p:txBody>
+          <a:bodyPr spcFirstLastPara="1" vert="horz" wrap="square" lIns="121900" tIns="121900" rIns="121900" bIns="121900" rtlCol="0" anchor="t" anchorCtr="0">
+            <a:noAutofit/>
+          </a:bodyPr>
+          <a:lstStyle/>
+          <a:p>
+            <a:pPr marL="0" indent="0">
+              <a:spcBef>
+                <a:spcPts val="2133"/>
+              </a:spcBef>
+              <a:buClr>
+                <a:schemeClr val="dk1"/>
+              </a:buClr>
+              <a:buSzPts val="1100"/>
+              <a:buNone/>
+            </a:pPr>
+            <a:r>
+              <a:rPr lang="en" sz="2400" b="1" dirty="0">
+                <a:solidFill>
+                  <a:schemeClr val="dk1"/>
+                </a:solidFill>
+                <a:latin typeface="Open Sans" panose="020B0606030504020204" pitchFamily="34" charset="0"/>
+                <a:ea typeface="Open Sans" panose="020B0606030504020204" pitchFamily="34" charset="0"/>
+                <a:cs typeface="Open Sans" panose="020B0606030504020204" pitchFamily="34" charset="0"/>
+              </a:rPr>
+              <a:t>GOAL: </a:t>
+            </a:r>
+            <a:r>
+              <a:rPr lang="en" sz="2400" dirty="0">
+                <a:solidFill>
+                  <a:schemeClr val="dk1"/>
+                </a:solidFill>
+                <a:latin typeface="Open Sans" panose="020B0606030504020204" pitchFamily="34" charset="0"/>
+                <a:ea typeface="Open Sans" panose="020B0606030504020204" pitchFamily="34" charset="0"/>
+                <a:cs typeface="Open Sans" panose="020B0606030504020204" pitchFamily="34" charset="0"/>
+              </a:rPr>
+              <a:t>learn the basics of how to create a video resolution inference model using network traffic statistics</a:t>
+            </a:r>
+            <a:endParaRPr sz="2400" dirty="0">
+              <a:solidFill>
+                <a:schemeClr val="dk1"/>
+              </a:solidFill>
+              <a:latin typeface="Open Sans" panose="020B0606030504020204" pitchFamily="34" charset="0"/>
+              <a:ea typeface="Open Sans" panose="020B0606030504020204" pitchFamily="34" charset="0"/>
+              <a:cs typeface="Open Sans" panose="020B0606030504020204" pitchFamily="34" charset="0"/>
+            </a:endParaRPr>
+          </a:p>
+          <a:p>
+            <a:pPr>
+              <a:lnSpc>
+                <a:spcPct val="200000"/>
+              </a:lnSpc>
+              <a:spcBef>
+                <a:spcPts val="2133"/>
+              </a:spcBef>
+              <a:buClr>
+                <a:schemeClr val="dk1"/>
+              </a:buClr>
+              <a:buAutoNum type="arabicPeriod"/>
+            </a:pPr>
+            <a:r>
+              <a:rPr lang="en" sz="2400" dirty="0">
+                <a:solidFill>
+                  <a:schemeClr val="dk1"/>
+                </a:solidFill>
+                <a:latin typeface="Open Sans" panose="020B0606030504020204" pitchFamily="34" charset="0"/>
+                <a:ea typeface="Open Sans" panose="020B0606030504020204" pitchFamily="34" charset="0"/>
+                <a:cs typeface="Open Sans" panose="020B0606030504020204" pitchFamily="34" charset="0"/>
+              </a:rPr>
+              <a:t>Clean the dataset</a:t>
+            </a:r>
+            <a:endParaRPr sz="2400" dirty="0">
+              <a:solidFill>
+                <a:schemeClr val="dk1"/>
+              </a:solidFill>
+              <a:latin typeface="Open Sans" panose="020B0606030504020204" pitchFamily="34" charset="0"/>
+              <a:ea typeface="Open Sans" panose="020B0606030504020204" pitchFamily="34" charset="0"/>
+              <a:cs typeface="Open Sans" panose="020B0606030504020204" pitchFamily="34" charset="0"/>
+            </a:endParaRPr>
+          </a:p>
+          <a:p>
+            <a:pPr>
+              <a:lnSpc>
+                <a:spcPct val="200000"/>
+              </a:lnSpc>
+              <a:buClr>
+                <a:schemeClr val="dk1"/>
+              </a:buClr>
+              <a:buAutoNum type="arabicPeriod"/>
+            </a:pPr>
+            <a:r>
+              <a:rPr lang="en" sz="2400" dirty="0">
+                <a:solidFill>
+                  <a:schemeClr val="dk1"/>
+                </a:solidFill>
+                <a:latin typeface="Open Sans" panose="020B0606030504020204" pitchFamily="34" charset="0"/>
+                <a:ea typeface="Open Sans" panose="020B0606030504020204" pitchFamily="34" charset="0"/>
+                <a:cs typeface="Open Sans" panose="020B0606030504020204" pitchFamily="34" charset="0"/>
+              </a:rPr>
+              <a:t>Simple resolution inference</a:t>
+            </a:r>
+            <a:endParaRPr sz="2400" dirty="0">
+              <a:solidFill>
+                <a:schemeClr val="dk1"/>
+              </a:solidFill>
+              <a:latin typeface="Open Sans" panose="020B0606030504020204" pitchFamily="34" charset="0"/>
+              <a:ea typeface="Open Sans" panose="020B0606030504020204" pitchFamily="34" charset="0"/>
+              <a:cs typeface="Open Sans" panose="020B0606030504020204" pitchFamily="34" charset="0"/>
+            </a:endParaRPr>
+          </a:p>
+          <a:p>
+            <a:pPr>
+              <a:lnSpc>
+                <a:spcPct val="200000"/>
+              </a:lnSpc>
+              <a:buClr>
+                <a:schemeClr val="dk1"/>
+              </a:buClr>
+              <a:buAutoNum type="arabicPeriod"/>
+            </a:pPr>
+            <a:r>
+              <a:rPr lang="en" sz="2400" dirty="0">
+                <a:solidFill>
+                  <a:schemeClr val="dk1"/>
+                </a:solidFill>
+                <a:latin typeface="Open Sans" panose="020B0606030504020204" pitchFamily="34" charset="0"/>
+                <a:ea typeface="Open Sans" panose="020B0606030504020204" pitchFamily="34" charset="0"/>
+                <a:cs typeface="Open Sans" panose="020B0606030504020204" pitchFamily="34" charset="0"/>
+              </a:rPr>
+              <a:t>Feature importance</a:t>
+            </a:r>
+            <a:endParaRPr sz="2400" dirty="0">
+              <a:solidFill>
+                <a:schemeClr val="dk1"/>
+              </a:solidFill>
+              <a:latin typeface="Open Sans" panose="020B0606030504020204" pitchFamily="34" charset="0"/>
+              <a:ea typeface="Open Sans" panose="020B0606030504020204" pitchFamily="34" charset="0"/>
+              <a:cs typeface="Open Sans" panose="020B0606030504020204" pitchFamily="34" charset="0"/>
+            </a:endParaRPr>
+          </a:p>
+          <a:p>
+            <a:pPr>
+              <a:lnSpc>
+                <a:spcPct val="200000"/>
+              </a:lnSpc>
+              <a:buClr>
+                <a:schemeClr val="dk1"/>
+              </a:buClr>
+              <a:buAutoNum type="arabicPeriod"/>
+            </a:pPr>
+            <a:r>
+              <a:rPr lang="en" sz="2400" dirty="0">
+                <a:solidFill>
+                  <a:schemeClr val="dk1"/>
+                </a:solidFill>
+                <a:latin typeface="Open Sans" panose="020B0606030504020204" pitchFamily="34" charset="0"/>
+                <a:ea typeface="Open Sans" panose="020B0606030504020204" pitchFamily="34" charset="0"/>
+                <a:cs typeface="Open Sans" panose="020B0606030504020204" pitchFamily="34" charset="0"/>
+              </a:rPr>
+              <a:t>The impact of different layers on the inference accuracy</a:t>
+            </a:r>
+            <a:endParaRPr sz="2400" dirty="0">
+              <a:solidFill>
+                <a:schemeClr val="dk1"/>
+              </a:solidFill>
+              <a:latin typeface="Open Sans" panose="020B0606030504020204" pitchFamily="34" charset="0"/>
+              <a:ea typeface="Open Sans" panose="020B0606030504020204" pitchFamily="34" charset="0"/>
+              <a:cs typeface="Open Sans" panose="020B0606030504020204" pitchFamily="34" charset="0"/>
+            </a:endParaRPr>
+          </a:p>
+          <a:p>
+            <a:pPr marL="0" indent="0">
+              <a:spcBef>
+                <a:spcPts val="2133"/>
+              </a:spcBef>
+              <a:spcAft>
+                <a:spcPts val="2133"/>
+              </a:spcAft>
+              <a:buNone/>
+            </a:pPr>
+            <a:endParaRPr sz="2400" dirty="0">
+              <a:latin typeface="Open Sans" panose="020B0606030504020204" pitchFamily="34" charset="0"/>
+              <a:ea typeface="Open Sans" panose="020B0606030504020204" pitchFamily="34" charset="0"/>
+              <a:cs typeface="Open Sans" panose="020B0606030504020204" pitchFamily="34" charset="0"/>
+            </a:endParaRPr>
+          </a:p>
+        </p:txBody>
+      </p:sp>
+      <p:sp>
+        <p:nvSpPr>
+          <p:cNvPr id="862" name="Google Shape;862;p70"/>
+          <p:cNvSpPr txBox="1">
+            <a:spLocks noGrp="1"/>
+          </p:cNvSpPr>
+          <p:nvPr>
+            <p:ph type="sldNum" idx="12"/>
+          </p:nvPr>
+        </p:nvSpPr>
+        <p:spPr>
+          <a:xfrm>
+            <a:off x="11296611" y="6217623"/>
+            <a:ext cx="731600" cy="524800"/>
+          </a:xfrm>
+          <a:prstGeom prst="rect">
+            <a:avLst/>
+          </a:prstGeom>
+        </p:spPr>
+        <p:txBody>
+          <a:bodyPr spcFirstLastPara="1" vert="horz" wrap="square" lIns="121900" tIns="121900" rIns="121900" bIns="121900" rtlCol="0" anchor="ctr" anchorCtr="0">
+            <a:noAutofit/>
+          </a:bodyPr>
+          <a:lstStyle/>
+          <a:p>
+            <a:fld id="{00000000-1234-1234-1234-123412341234}" type="slidenum">
+              <a:rPr lang="en">
+                <a:latin typeface="Open Sans" panose="020B0606030504020204" pitchFamily="34" charset="0"/>
+                <a:ea typeface="Open Sans" panose="020B0606030504020204" pitchFamily="34" charset="0"/>
+                <a:cs typeface="Open Sans" panose="020B0606030504020204" pitchFamily="34" charset="0"/>
+              </a:rPr>
+              <a:pPr/>
+              <a:t>28</a:t>
+            </a:fld>
+            <a:endParaRPr>
+              <a:latin typeface="Open Sans" panose="020B0606030504020204" pitchFamily="34" charset="0"/>
+              <a:ea typeface="Open Sans" panose="020B0606030504020204" pitchFamily="34" charset="0"/>
+              <a:cs typeface="Open Sans" panose="020B0606030504020204" pitchFamily="34" charset="0"/>
+            </a:endParaRPr>
+          </a:p>
+        </p:txBody>
+      </p:sp>
+    </p:spTree>
   </p:cSld>
   <p:clrMapOvr>
     <a:masterClrMapping/>

--- a/docs/slides/03-performance.pptx
+++ b/docs/slides/03-performance.pptx
@@ -15053,8 +15053,38 @@
           <a:p>
             <a:r>
               <a:rPr lang="en-US" dirty="0"/>
-              <a:t>Input Features</a:t>
-            </a:r>
+              <a:t>Input Features and Models</a:t>
+            </a:r>
+          </a:p>
+        </p:txBody>
+      </p:sp>
+      <p:sp>
+        <p:nvSpPr>
+          <p:cNvPr id="5" name="Content Placeholder 4">
+            <a:extLst>
+              <a:ext uri="{FF2B5EF4-FFF2-40B4-BE49-F238E27FC236}">
+                <a16:creationId xmlns:a16="http://schemas.microsoft.com/office/drawing/2014/main" id="{0BBA4C7A-3FF5-5FA7-9F1C-06C39414F83A}"/>
+              </a:ext>
+            </a:extLst>
+          </p:cNvPr>
+          <p:cNvSpPr>
+            <a:spLocks noGrp="1"/>
+          </p:cNvSpPr>
+          <p:nvPr>
+            <p:ph idx="1"/>
+          </p:nvPr>
+        </p:nvSpPr>
+        <p:spPr>
+          <a:xfrm>
+            <a:off x="838200" y="3841749"/>
+            <a:ext cx="10515600" cy="2335213"/>
+          </a:xfrm>
+        </p:spPr>
+        <p:txBody>
+          <a:bodyPr/>
+          <a:lstStyle/>
+          <a:p>
+            <a:endParaRPr lang="en-US" dirty="0"/>
           </a:p>
         </p:txBody>
       </p:sp>
@@ -15080,7 +15110,7 @@
         </p:blipFill>
         <p:spPr>
           <a:xfrm>
-            <a:off x="289247" y="2766219"/>
+            <a:off x="289247" y="2103438"/>
             <a:ext cx="11613506" cy="1325562"/>
           </a:xfrm>
           <a:prstGeom prst="rect">
@@ -15170,7 +15200,7 @@
           <a:lstStyle/>
           <a:p>
             <a:r>
-              <a:rPr lang="en-US"/>
+              <a:rPr lang="en-US" dirty="0"/>
               <a:t>Inference Errors: Frame Rate</a:t>
             </a:r>
           </a:p>

--- a/docs/slides/03-performance.pptx
+++ b/docs/slides/03-performance.pptx
@@ -224,7 +224,7 @@
           <a:p>
             <a:fld id="{26C23BA1-C1FD-F54C-A91D-365911BB70A0}" type="datetimeFigureOut">
               <a:rPr lang="en-US" smtClean="0"/>
-              <a:t>10/4/23</a:t>
+              <a:t>10/4/24</a:t>
             </a:fld>
             <a:endParaRPr lang="en-US"/>
           </a:p>
@@ -5150,7 +5150,7 @@
           <a:p>
             <a:fld id="{6E174B13-2F4C-954D-BC49-D8D95C50C36E}" type="datetimeFigureOut">
               <a:rPr lang="en-US" smtClean="0"/>
-              <a:t>10/4/23</a:t>
+              <a:t>10/4/24</a:t>
             </a:fld>
             <a:endParaRPr lang="en-US"/>
           </a:p>
@@ -5348,7 +5348,7 @@
           <a:p>
             <a:fld id="{6E174B13-2F4C-954D-BC49-D8D95C50C36E}" type="datetimeFigureOut">
               <a:rPr lang="en-US" smtClean="0"/>
-              <a:t>10/4/23</a:t>
+              <a:t>10/4/24</a:t>
             </a:fld>
             <a:endParaRPr lang="en-US"/>
           </a:p>
@@ -5556,7 +5556,7 @@
           <a:p>
             <a:fld id="{6E174B13-2F4C-954D-BC49-D8D95C50C36E}" type="datetimeFigureOut">
               <a:rPr lang="en-US" smtClean="0"/>
-              <a:t>10/4/23</a:t>
+              <a:t>10/4/24</a:t>
             </a:fld>
             <a:endParaRPr lang="en-US"/>
           </a:p>
@@ -6406,7 +6406,7 @@
           <a:p>
             <a:fld id="{6E174B13-2F4C-954D-BC49-D8D95C50C36E}" type="datetimeFigureOut">
               <a:rPr lang="en-US" smtClean="0"/>
-              <a:t>10/4/23</a:t>
+              <a:t>10/4/24</a:t>
             </a:fld>
             <a:endParaRPr lang="en-US"/>
           </a:p>
@@ -6681,7 +6681,7 @@
           <a:p>
             <a:fld id="{6E174B13-2F4C-954D-BC49-D8D95C50C36E}" type="datetimeFigureOut">
               <a:rPr lang="en-US" smtClean="0"/>
-              <a:t>10/4/23</a:t>
+              <a:t>10/4/24</a:t>
             </a:fld>
             <a:endParaRPr lang="en-US"/>
           </a:p>
@@ -6946,7 +6946,7 @@
           <a:p>
             <a:fld id="{6E174B13-2F4C-954D-BC49-D8D95C50C36E}" type="datetimeFigureOut">
               <a:rPr lang="en-US" smtClean="0"/>
-              <a:t>10/4/23</a:t>
+              <a:t>10/4/24</a:t>
             </a:fld>
             <a:endParaRPr lang="en-US"/>
           </a:p>
@@ -7358,7 +7358,7 @@
           <a:p>
             <a:fld id="{6E174B13-2F4C-954D-BC49-D8D95C50C36E}" type="datetimeFigureOut">
               <a:rPr lang="en-US" smtClean="0"/>
-              <a:t>10/4/23</a:t>
+              <a:t>10/4/24</a:t>
             </a:fld>
             <a:endParaRPr lang="en-US"/>
           </a:p>
@@ -7499,7 +7499,7 @@
           <a:p>
             <a:fld id="{6E174B13-2F4C-954D-BC49-D8D95C50C36E}" type="datetimeFigureOut">
               <a:rPr lang="en-US" smtClean="0"/>
-              <a:t>10/4/23</a:t>
+              <a:t>10/4/24</a:t>
             </a:fld>
             <a:endParaRPr lang="en-US"/>
           </a:p>
@@ -7612,7 +7612,7 @@
           <a:p>
             <a:fld id="{6E174B13-2F4C-954D-BC49-D8D95C50C36E}" type="datetimeFigureOut">
               <a:rPr lang="en-US" smtClean="0"/>
-              <a:t>10/4/23</a:t>
+              <a:t>10/4/24</a:t>
             </a:fld>
             <a:endParaRPr lang="en-US"/>
           </a:p>
@@ -7923,7 +7923,7 @@
           <a:p>
             <a:fld id="{6E174B13-2F4C-954D-BC49-D8D95C50C36E}" type="datetimeFigureOut">
               <a:rPr lang="en-US" smtClean="0"/>
-              <a:t>10/4/23</a:t>
+              <a:t>10/4/24</a:t>
             </a:fld>
             <a:endParaRPr lang="en-US"/>
           </a:p>
@@ -8211,7 +8211,7 @@
           <a:p>
             <a:fld id="{6E174B13-2F4C-954D-BC49-D8D95C50C36E}" type="datetimeFigureOut">
               <a:rPr lang="en-US" smtClean="0"/>
-              <a:t>10/4/23</a:t>
+              <a:t>10/4/24</a:t>
             </a:fld>
             <a:endParaRPr lang="en-US"/>
           </a:p>
@@ -8452,7 +8452,7 @@
           <a:p>
             <a:fld id="{6E174B13-2F4C-954D-BC49-D8D95C50C36E}" type="datetimeFigureOut">
               <a:rPr lang="en-US" smtClean="0"/>
-              <a:t>10/4/23</a:t>
+              <a:t>10/4/24</a:t>
             </a:fld>
             <a:endParaRPr lang="en-US"/>
           </a:p>
@@ -17157,6 +17157,13 @@
             <a:tailEnd type="triangle" w="med" len="med"/>
           </a:ln>
         </p:spPr>
+        <p:txBody>
+          <a:bodyPr/>
+          <a:lstStyle/>
+          <a:p>
+            <a:endParaRPr lang="en-US"/>
+          </a:p>
+        </p:txBody>
       </p:sp>
       <p:sp>
         <p:nvSpPr>
@@ -17796,6 +17803,13 @@
             <a:tailEnd type="stealth" w="med" len="med"/>
           </a:ln>
         </p:spPr>
+        <p:txBody>
+          <a:bodyPr/>
+          <a:lstStyle/>
+          <a:p>
+            <a:endParaRPr lang="en-US"/>
+          </a:p>
+        </p:txBody>
       </p:sp>
       <p:sp>
         <p:nvSpPr>
